--- a/invoice_template.pptx
+++ b/invoice_template.pptx
@@ -6917,7 +6917,7 @@
       </p:sp>
       <p:sp>
         <p:nvSpPr>
-          <p:cNvPr id="3" name="Cash check">
+          <p:cNvPr id="3" name="Cash Check">
             <a:extLst>
               <a:ext uri="{FF2B5EF4-FFF2-40B4-BE49-F238E27FC236}">
                 <a16:creationId xmlns:a16="http://schemas.microsoft.com/office/drawing/2014/main" id="{5054A41B-86BF-621E-8289-C61F5A7024E1}"/>

--- a/invoice_template.pptx
+++ b/invoice_template.pptx
@@ -4374,13 +4374,13 @@
           <p:nvPr>
             <p:extLst>
               <p:ext uri="{D42A27DB-BD31-4B8C-83A1-F6EECF244321}">
-                <p14:modId xmlns:p14="http://schemas.microsoft.com/office/powerpoint/2010/main" val="1049328200"/>
+                <p14:modId xmlns:p14="http://schemas.microsoft.com/office/powerpoint/2010/main" val="2105445537"/>
               </p:ext>
             </p:extLst>
           </p:nvPr>
         </p:nvGraphicFramePr>
         <p:xfrm>
-          <a:off x="1041596" y="10909962"/>
+          <a:off x="1043166" y="10706723"/>
           <a:ext cx="5945624" cy="1711132"/>
         </p:xfrm>
         <a:graphic>
@@ -7108,6 +7108,54 @@
                 <a:schemeClr val="bg1"/>
               </a:solidFill>
             </a:endParaRPr>
+          </a:p>
+        </p:txBody>
+      </p:sp>
+      <p:sp>
+        <p:nvSpPr>
+          <p:cNvPr id="42" name="Amount In Words">
+            <a:extLst>
+              <a:ext uri="{FF2B5EF4-FFF2-40B4-BE49-F238E27FC236}">
+                <a16:creationId xmlns:a16="http://schemas.microsoft.com/office/drawing/2014/main" id="{0920EA52-9195-41CD-FEB0-4669D9C20778}"/>
+              </a:ext>
+            </a:extLst>
+          </p:cNvPr>
+          <p:cNvSpPr/>
+          <p:nvPr/>
+        </p:nvSpPr>
+        <p:spPr>
+          <a:xfrm>
+            <a:off x="1038970" y="12640662"/>
+            <a:ext cx="5945624" cy="185607"/>
+          </a:xfrm>
+          <a:prstGeom prst="rect">
+            <a:avLst/>
+          </a:prstGeom>
+          <a:noFill/>
+          <a:ln/>
+        </p:spPr>
+        <p:txBody>
+          <a:bodyPr wrap="none" lIns="0" tIns="0" rIns="0" bIns="0" rtlCol="0" anchor="ctr"/>
+          <a:lstStyle/>
+          <a:p>
+            <a:pPr marL="0" indent="0" algn="ctr">
+              <a:lnSpc>
+                <a:spcPts val="1950"/>
+              </a:lnSpc>
+              <a:buNone/>
+            </a:pPr>
+            <a:r>
+              <a:rPr lang="en-GB" sz="1100" i="1" dirty="0">
+                <a:solidFill>
+                  <a:srgbClr val="2C2926"/>
+                </a:solidFill>
+                <a:latin typeface="Poppins" pitchFamily="34" charset="0"/>
+                <a:ea typeface="Poppins" pitchFamily="34" charset="-122"/>
+                <a:cs typeface="Poppins" pitchFamily="34" charset="-120"/>
+              </a:rPr>
+              <a:t>Eighty Seven Crores Sixty Five Lakhs Forty Three Thousand Two Hundred Ten only</a:t>
+            </a:r>
+            <a:endParaRPr lang="en-US" sz="1100" i="1" dirty="0"/>
           </a:p>
         </p:txBody>
       </p:sp>

--- a/invoice_template.pptx
+++ b/invoice_template.pptx
@@ -3854,8 +3854,8 @@
         </p:nvSpPr>
         <p:spPr>
           <a:xfrm>
-            <a:off x="787835" y="15037117"/>
-            <a:ext cx="4241483" cy="373618"/>
+            <a:off x="795457" y="15037117"/>
+            <a:ext cx="4233861" cy="373618"/>
           </a:xfrm>
           <a:prstGeom prst="rect">
             <a:avLst/>
@@ -3958,8 +3958,8 @@
         </p:nvSpPr>
         <p:spPr>
           <a:xfrm>
-            <a:off x="920761" y="16141065"/>
-            <a:ext cx="3911203" cy="252174"/>
+            <a:off x="795457" y="16141065"/>
+            <a:ext cx="4233861" cy="252174"/>
           </a:xfrm>
           <a:prstGeom prst="rect">
             <a:avLst/>
